--- a/fuentes/contenidos/grado10/guion07/CN_10_07_REC260.pptx
+++ b/fuentes/contenidos/grado10/guion07/CN_10_07_REC260.pptx
@@ -106,7 +106,18 @@
   </p:defaultTextStyle>
   <p:extLst>
     <p:ext uri="{EFAFB233-063F-42B5-8137-9DF3F51BA10A}">
-      <p15:sldGuideLst xmlns:p15="http://schemas.microsoft.com/office/powerpoint/2012/main" xmlns=""/>
+      <p15:sldGuideLst xmlns:p15="http://schemas.microsoft.com/office/powerpoint/2012/main">
+        <p15:guide id="1" orient="horz" pos="2160">
+          <p15:clr>
+            <a:srgbClr val="A4A3A4"/>
+          </p15:clr>
+        </p15:guide>
+        <p15:guide id="2" pos="2880">
+          <p15:clr>
+            <a:srgbClr val="A4A3A4"/>
+          </p15:clr>
+        </p15:guide>
+      </p15:sldGuideLst>
     </p:ext>
   </p:extLst>
 </p:presentation>
@@ -450,7 +461,7 @@
           <a:p>
             <a:fld id="{5001C876-01F7-4317-94B9-1AE222133113}" type="datetimeFigureOut">
               <a:rPr lang="es-ES" smtClean="0"/>
-              <a:t>18/01/2016</a:t>
+              <a:t>02/06/2016</a:t>
             </a:fld>
             <a:endParaRPr lang="es-ES"/>
           </a:p>
@@ -1062,7 +1073,15 @@
             <a:pPr algn="ctr"/>
             <a:r>
               <a:rPr lang="es-ES" sz="1600" dirty="0" smtClean="0"/>
-              <a:t>Mecánica de Fluidos</a:t>
+              <a:t>Mecánica </a:t>
+            </a:r>
+            <a:r>
+              <a:rPr lang="es-ES" sz="1600" smtClean="0"/>
+              <a:t>de </a:t>
+            </a:r>
+            <a:r>
+              <a:rPr lang="es-ES" sz="1600" smtClean="0"/>
+              <a:t>fluidos</a:t>
             </a:r>
             <a:endParaRPr lang="es-ES" sz="1600" dirty="0"/>
           </a:p>
@@ -1264,12 +1283,36 @@
           <a:p>
             <a:pPr algn="ctr"/>
             <a:r>
+              <a:rPr lang="es-ES" sz="1000" dirty="0">
+                <a:solidFill>
+                  <a:schemeClr val="bg1"/>
+                </a:solidFill>
+              </a:rPr>
+              <a:t>l</a:t>
+            </a:r>
+            <a:r>
               <a:rPr lang="es-ES" sz="1000" dirty="0" smtClean="0">
                 <a:solidFill>
                   <a:schemeClr val="bg1"/>
                 </a:solidFill>
               </a:rPr>
-              <a:t>Líquidos y gases en REPOSO</a:t>
+              <a:t>íquidos </a:t>
+            </a:r>
+            <a:r>
+              <a:rPr lang="es-ES" sz="1000" dirty="0" smtClean="0">
+                <a:solidFill>
+                  <a:schemeClr val="bg1"/>
+                </a:solidFill>
+              </a:rPr>
+              <a:t>y gases en </a:t>
+            </a:r>
+            <a:r>
+              <a:rPr lang="es-ES" sz="1000" dirty="0" smtClean="0">
+                <a:solidFill>
+                  <a:schemeClr val="bg1"/>
+                </a:solidFill>
+              </a:rPr>
+              <a:t>reposo</a:t>
             </a:r>
             <a:endParaRPr lang="es-ES" sz="1000" dirty="0" smtClean="0">
               <a:solidFill>
@@ -1313,12 +1356,36 @@
           <a:p>
             <a:pPr algn="ctr"/>
             <a:r>
+              <a:rPr lang="es-ES" sz="1000" dirty="0">
+                <a:solidFill>
+                  <a:schemeClr val="bg1"/>
+                </a:solidFill>
+              </a:rPr>
+              <a:t>l</a:t>
+            </a:r>
+            <a:r>
               <a:rPr lang="es-ES" sz="1000" dirty="0" smtClean="0">
                 <a:solidFill>
                   <a:schemeClr val="bg1"/>
                 </a:solidFill>
               </a:rPr>
-              <a:t>Líquidos y gases en MOVIMIENTO</a:t>
+              <a:t>íquidos </a:t>
+            </a:r>
+            <a:r>
+              <a:rPr lang="es-ES" sz="1000" dirty="0" smtClean="0">
+                <a:solidFill>
+                  <a:schemeClr val="bg1"/>
+                </a:solidFill>
+              </a:rPr>
+              <a:t>y gases </a:t>
+            </a:r>
+            <a:r>
+              <a:rPr lang="es-ES" sz="1000" dirty="0" smtClean="0">
+                <a:solidFill>
+                  <a:schemeClr val="bg1"/>
+                </a:solidFill>
+              </a:rPr>
+              <a:t>en movimiento</a:t>
             </a:r>
             <a:endParaRPr lang="es-ES" sz="1000" dirty="0" smtClean="0">
               <a:solidFill>
@@ -1422,7 +1489,7 @@
             <a:pPr algn="ctr"/>
             <a:r>
               <a:rPr lang="es-ES" sz="900" dirty="0" smtClean="0"/>
-              <a:t>PRESIÓN</a:t>
+              <a:t>presión</a:t>
             </a:r>
             <a:endParaRPr lang="es-ES" sz="900" dirty="0" smtClean="0"/>
           </a:p>
@@ -1462,7 +1529,7 @@
             <a:pPr algn="ctr"/>
             <a:r>
               <a:rPr lang="es-ES" sz="900" dirty="0" smtClean="0"/>
-              <a:t>PRESIÓN HIDROSTÁTICA</a:t>
+              <a:t>Presión hidrostática</a:t>
             </a:r>
             <a:endParaRPr lang="es-ES" sz="900" dirty="0" smtClean="0"/>
           </a:p>
@@ -1502,7 +1569,7 @@
             <a:pPr algn="ctr"/>
             <a:r>
               <a:rPr lang="es-ES" sz="900" dirty="0" smtClean="0"/>
-              <a:t>PRINCIPIO DE ARQUÍMEDES</a:t>
+              <a:t>principio de Arquímedes </a:t>
             </a:r>
             <a:endParaRPr lang="es-ES" sz="900" dirty="0" smtClean="0"/>
           </a:p>
@@ -1542,7 +1609,7 @@
             <a:pPr algn="ctr"/>
             <a:r>
               <a:rPr lang="es-ES" sz="900" dirty="0" smtClean="0"/>
-              <a:t>PRINCIPIO DE PASCAL</a:t>
+              <a:t>principio de Pascal </a:t>
             </a:r>
             <a:endParaRPr lang="es-ES" sz="900" dirty="0" smtClean="0"/>
           </a:p>
@@ -1581,8 +1648,12 @@
           <a:p>
             <a:pPr algn="ctr"/>
             <a:r>
+              <a:rPr lang="es-ES" sz="900" dirty="0"/>
+              <a:t>e</a:t>
+            </a:r>
+            <a:r>
               <a:rPr lang="es-ES" sz="900" dirty="0" smtClean="0"/>
-              <a:t>ECUACIÓN DE CONTINUIDAD</a:t>
+              <a:t>cuación de continuidad</a:t>
             </a:r>
             <a:endParaRPr lang="es-ES" sz="900" dirty="0" smtClean="0"/>
           </a:p>
@@ -1621,8 +1692,12 @@
           <a:p>
             <a:pPr algn="ctr"/>
             <a:r>
+              <a:rPr lang="es-ES" sz="900" dirty="0"/>
+              <a:t>f</a:t>
+            </a:r>
+            <a:r>
               <a:rPr lang="es-ES" sz="900" dirty="0" smtClean="0"/>
-              <a:t>FLUIDO IDEAL</a:t>
+              <a:t>luido ideal</a:t>
             </a:r>
             <a:endParaRPr lang="es-ES" sz="900" dirty="0" smtClean="0"/>
           </a:p>
@@ -1662,7 +1737,15 @@
             <a:pPr algn="ctr"/>
             <a:r>
               <a:rPr lang="es-ES" sz="900" dirty="0" smtClean="0"/>
-              <a:t>PRINCIPIO DE BERNOULLI</a:t>
+              <a:t>principio de </a:t>
+            </a:r>
+            <a:r>
+              <a:rPr lang="es-ES" sz="900" dirty="0" err="1" smtClean="0"/>
+              <a:t>Bernouilli</a:t>
+            </a:r>
+            <a:r>
+              <a:rPr lang="es-ES" sz="900" dirty="0" smtClean="0"/>
+              <a:t> </a:t>
             </a:r>
             <a:endParaRPr lang="es-ES" sz="900" dirty="0" smtClean="0"/>
           </a:p>
@@ -1697,10 +1780,17 @@
           <a:p>
             <a:pPr algn="ctr"/>
             <a:r>
+              <a:rPr lang="es-ES" sz="900" dirty="0"/>
+              <a:t>r</a:t>
+            </a:r>
+            <a:r>
               <a:rPr lang="es-ES" sz="900" dirty="0" smtClean="0"/>
-              <a:t>Relación entre la fuerza  y el área de la superficie sobre la cual se aplica</a:t>
-            </a:r>
-            <a:endParaRPr lang="es-ES" sz="900" dirty="0" smtClean="0"/>
+              <a:t>elación </a:t>
+            </a:r>
+            <a:r>
+              <a:rPr lang="es-ES" sz="900" dirty="0" smtClean="0"/>
+              <a:t>entre la fuerza  y el área de la superficie sobre la cual se aplica</a:t>
+            </a:r>
           </a:p>
         </p:txBody>
       </p:sp>
@@ -1733,10 +1823,17 @@
           <a:p>
             <a:pPr algn="ctr"/>
             <a:r>
+              <a:rPr lang="es-ES" sz="900" dirty="0"/>
+              <a:t>p</a:t>
+            </a:r>
+            <a:r>
               <a:rPr lang="es-ES" sz="900" dirty="0" smtClean="0"/>
-              <a:t>Presión que ejerce un líquido sobre cualquier superficie sumergida en él</a:t>
-            </a:r>
-            <a:endParaRPr lang="es-ES" sz="900" dirty="0" smtClean="0"/>
+              <a:t>resión </a:t>
+            </a:r>
+            <a:r>
+              <a:rPr lang="es-ES" sz="900" dirty="0" smtClean="0"/>
+              <a:t>que ejerce un líquido sobre cualquier superficie sumergida en él</a:t>
+            </a:r>
           </a:p>
         </p:txBody>
       </p:sp>
@@ -1769,10 +1866,17 @@
           <a:p>
             <a:pPr algn="ctr"/>
             <a:r>
+              <a:rPr lang="es-ES" sz="900" dirty="0"/>
+              <a:t>t</a:t>
+            </a:r>
+            <a:r>
               <a:rPr lang="es-ES" sz="900" dirty="0" smtClean="0"/>
-              <a:t>Todo cuerpo sumergido en un líquido experimenta una fuerza hacia arriba igual al peso del líquido desalojado</a:t>
-            </a:r>
-            <a:endParaRPr lang="es-ES" sz="900" dirty="0" smtClean="0"/>
+              <a:t>odo </a:t>
+            </a:r>
+            <a:r>
+              <a:rPr lang="es-ES" sz="900" dirty="0" smtClean="0"/>
+              <a:t>cuerpo sumergido en un líquido experimenta una fuerza hacia arriba igual al peso del líquido desalojado</a:t>
+            </a:r>
           </a:p>
         </p:txBody>
       </p:sp>
@@ -1808,7 +1912,6 @@
               <a:rPr lang="es-ES" sz="900" dirty="0" smtClean="0"/>
               <a:t>EMPUJE</a:t>
             </a:r>
-            <a:endParaRPr lang="es-ES" sz="900" dirty="0" smtClean="0"/>
           </a:p>
         </p:txBody>
       </p:sp>
@@ -1841,10 +1944,17 @@
           <a:p>
             <a:pPr algn="ctr"/>
             <a:r>
+              <a:rPr lang="es-ES" sz="900" dirty="0"/>
+              <a:t>t</a:t>
+            </a:r>
+            <a:r>
               <a:rPr lang="es-ES" sz="900" dirty="0" smtClean="0"/>
-              <a:t>Todo cuerpo sumergido en un líquido experimenta una fuerza hacia arriba</a:t>
-            </a:r>
-            <a:endParaRPr lang="es-ES" sz="900" dirty="0" smtClean="0"/>
+              <a:t>odo </a:t>
+            </a:r>
+            <a:r>
+              <a:rPr lang="es-ES" sz="900" dirty="0" smtClean="0"/>
+              <a:t>cuerpo sumergido en un líquido experimenta una fuerza hacia arriba</a:t>
+            </a:r>
           </a:p>
         </p:txBody>
       </p:sp>
@@ -1938,7 +2048,15 @@
             <a:pPr algn="ctr"/>
             <a:r>
               <a:rPr lang="es-ES" sz="900" dirty="0" smtClean="0"/>
-              <a:t>- Flujo laminar</a:t>
+              <a:t>- </a:t>
+            </a:r>
+            <a:r>
+              <a:rPr lang="es-ES" sz="900" dirty="0" smtClean="0"/>
+              <a:t>flujo </a:t>
+            </a:r>
+            <a:r>
+              <a:rPr lang="es-ES" sz="900" dirty="0" smtClean="0"/>
+              <a:t>laminar</a:t>
             </a:r>
             <a:endParaRPr lang="es-ES" sz="900" dirty="0"/>
           </a:p>
@@ -1946,14 +2064,30 @@
             <a:pPr algn="ctr"/>
             <a:r>
               <a:rPr lang="es-ES" sz="900" dirty="0" smtClean="0"/>
-              <a:t>- Es incompresible</a:t>
-            </a:r>
-          </a:p>
-          <a:p>
-            <a:pPr algn="ctr"/>
+              <a:t>- </a:t>
+            </a:r>
             <a:r>
               <a:rPr lang="es-ES" sz="900" dirty="0" smtClean="0"/>
-              <a:t>- No viscoso</a:t>
+              <a:t>es </a:t>
+            </a:r>
+            <a:r>
+              <a:rPr lang="es-ES" sz="900" dirty="0" smtClean="0"/>
+              <a:t>incompresible</a:t>
+            </a:r>
+          </a:p>
+          <a:p>
+            <a:pPr algn="ctr"/>
+            <a:r>
+              <a:rPr lang="es-ES" sz="900" dirty="0" smtClean="0"/>
+              <a:t>- </a:t>
+            </a:r>
+            <a:r>
+              <a:rPr lang="es-ES" sz="900" dirty="0" smtClean="0"/>
+              <a:t>no </a:t>
+            </a:r>
+            <a:r>
+              <a:rPr lang="es-ES" sz="900" dirty="0" smtClean="0"/>
+              <a:t>viscoso</a:t>
             </a:r>
           </a:p>
         </p:txBody>
@@ -1987,8 +2121,16 @@
           <a:p>
             <a:pPr algn="ctr"/>
             <a:r>
+              <a:rPr lang="es-ES" sz="900" dirty="0"/>
+              <a:t>e</a:t>
+            </a:r>
+            <a:r>
               <a:rPr lang="es-ES" sz="900" dirty="0" smtClean="0"/>
-              <a:t>El caudal como  el producto del área de  una tubería por la velocidad con la que se desplaza un fluido</a:t>
+              <a:t>l </a:t>
+            </a:r>
+            <a:r>
+              <a:rPr lang="es-ES" sz="900" dirty="0" smtClean="0"/>
+              <a:t>caudal como  el producto del área de  una tubería por la velocidad con la que se desplaza un fluido</a:t>
             </a:r>
           </a:p>
         </p:txBody>
@@ -2022,8 +2164,16 @@
           <a:p>
             <a:pPr algn="ctr"/>
             <a:r>
+              <a:rPr lang="es-ES" sz="900" dirty="0"/>
+              <a:t>e</a:t>
+            </a:r>
+            <a:r>
               <a:rPr lang="es-ES" sz="900" dirty="0" smtClean="0"/>
-              <a:t>El caudal como  el producto del área de  una tubería por la velocidad con la que se desplaza un fluido</a:t>
+              <a:t>l </a:t>
+            </a:r>
+            <a:r>
+              <a:rPr lang="es-ES" sz="900" dirty="0" smtClean="0"/>
+              <a:t>caudal como  el producto del área de  una tubería por la velocidad con la que se desplaza un fluido</a:t>
             </a:r>
           </a:p>
         </p:txBody>
@@ -2414,10 +2564,17 @@
           <a:p>
             <a:pPr algn="ctr"/>
             <a:r>
+              <a:rPr lang="es-ES" sz="900" dirty="0"/>
+              <a:t>v</a:t>
+            </a:r>
+            <a:r>
               <a:rPr lang="es-ES" sz="900" dirty="0" smtClean="0"/>
-              <a:t>Vasos comunicantes</a:t>
-            </a:r>
-            <a:endParaRPr lang="es-ES" sz="900" dirty="0" smtClean="0"/>
+              <a:t>asos </a:t>
+            </a:r>
+            <a:r>
+              <a:rPr lang="es-ES" sz="900" dirty="0" smtClean="0"/>
+              <a:t>comunicantes</a:t>
+            </a:r>
           </a:p>
         </p:txBody>
       </p:sp>
@@ -2430,7 +2587,7 @@
         <p:spPr>
           <a:xfrm>
             <a:off x="2656969" y="6468301"/>
-            <a:ext cx="1125828" cy="369332"/>
+            <a:ext cx="1125828" cy="230832"/>
           </a:xfrm>
           <a:prstGeom prst="rect">
             <a:avLst/>
@@ -2450,10 +2607,17 @@
           <a:p>
             <a:pPr algn="ctr"/>
             <a:r>
+              <a:rPr lang="es-ES" sz="900" dirty="0"/>
+              <a:t>v</a:t>
+            </a:r>
+            <a:r>
               <a:rPr lang="es-ES" sz="900" dirty="0" smtClean="0"/>
-              <a:t>Vasos comunicantes</a:t>
-            </a:r>
-            <a:endParaRPr lang="es-ES" sz="900" dirty="0" smtClean="0"/>
+              <a:t>asos </a:t>
+            </a:r>
+            <a:r>
+              <a:rPr lang="es-ES" sz="900" dirty="0" smtClean="0"/>
+              <a:t>comunicantes</a:t>
+            </a:r>
           </a:p>
         </p:txBody>
       </p:sp>
@@ -2486,8 +2650,20 @@
           <a:p>
             <a:pPr algn="ctr"/>
             <a:r>
+              <a:rPr lang="es-ES" sz="900" dirty="0"/>
+              <a:t>p</a:t>
+            </a:r>
+            <a:r>
               <a:rPr lang="es-ES" sz="900" dirty="0" smtClean="0"/>
-              <a:t>Prensa Hidráulica</a:t>
+              <a:t>rensa </a:t>
+            </a:r>
+            <a:r>
+              <a:rPr lang="es-ES" sz="900" dirty="0"/>
+              <a:t>h</a:t>
+            </a:r>
+            <a:r>
+              <a:rPr lang="es-ES" sz="900" dirty="0" smtClean="0"/>
+              <a:t>idráulica</a:t>
             </a:r>
             <a:endParaRPr lang="es-ES" sz="900" dirty="0" smtClean="0"/>
           </a:p>
@@ -2646,10 +2822,17 @@
           <a:p>
             <a:pPr algn="ctr"/>
             <a:r>
+              <a:rPr lang="es-ES" sz="900" dirty="0"/>
+              <a:t>f</a:t>
+            </a:r>
+            <a:r>
               <a:rPr lang="es-ES" sz="900" dirty="0" smtClean="0"/>
-              <a:t>Flujo en tubos</a:t>
-            </a:r>
-            <a:endParaRPr lang="es-ES" sz="900" dirty="0" smtClean="0"/>
+              <a:t>lujo </a:t>
+            </a:r>
+            <a:r>
+              <a:rPr lang="es-ES" sz="900" dirty="0" smtClean="0"/>
+              <a:t>en tubos</a:t>
+            </a:r>
           </a:p>
         </p:txBody>
       </p:sp>
@@ -2682,10 +2865,17 @@
           <a:p>
             <a:pPr algn="ctr"/>
             <a:r>
+              <a:rPr lang="es-ES" sz="900" dirty="0"/>
+              <a:t>s</a:t>
+            </a:r>
+            <a:r>
               <a:rPr lang="es-ES" sz="900" dirty="0" smtClean="0"/>
-              <a:t>Sustentación de un avión</a:t>
-            </a:r>
-            <a:endParaRPr lang="es-ES" sz="900" dirty="0" smtClean="0"/>
+              <a:t>ustentación </a:t>
+            </a:r>
+            <a:r>
+              <a:rPr lang="es-ES" sz="900" dirty="0" smtClean="0"/>
+              <a:t>de un avión</a:t>
+            </a:r>
           </a:p>
         </p:txBody>
       </p:sp>
@@ -5530,7 +5720,7 @@
   <a:extraClrSchemeLst/>
   <a:extLst>
     <a:ext uri="{05A4C25C-085E-4340-85A3-A5531E510DB2}">
-      <thm15:themeFamily xmlns:thm15="http://schemas.microsoft.com/office/thememl/2012/main" xmlns="" name="Office Theme" id="{62F939B6-93AF-4DB8-9C6B-D6C7DFDC589F}" vid="{4A3C46E8-61CC-4603-A589-7422A47A8E4A}"/>
+      <thm15:themeFamily xmlns:thm15="http://schemas.microsoft.com/office/thememl/2012/main" name="Office Theme" id="{62F939B6-93AF-4DB8-9C6B-D6C7DFDC589F}" vid="{4A3C46E8-61CC-4603-A589-7422A47A8E4A}"/>
     </a:ext>
   </a:extLst>
 </a:theme>

--- a/fuentes/contenidos/grado10/guion07/CN_10_07_REC260.pptx
+++ b/fuentes/contenidos/grado10/guion07/CN_10_07_REC260.pptx
@@ -1077,11 +1077,7 @@
             </a:r>
             <a:r>
               <a:rPr lang="es-ES" sz="1600" smtClean="0"/>
-              <a:t>de </a:t>
-            </a:r>
-            <a:r>
-              <a:rPr lang="es-ES" sz="1600" smtClean="0"/>
-              <a:t>fluidos</a:t>
+              <a:t>de fluidos</a:t>
             </a:r>
             <a:endParaRPr lang="es-ES" sz="1600" dirty="0"/>
           </a:p>
@@ -1296,29 +1292,8 @@
                   <a:schemeClr val="bg1"/>
                 </a:solidFill>
               </a:rPr>
-              <a:t>íquidos </a:t>
-            </a:r>
-            <a:r>
-              <a:rPr lang="es-ES" sz="1000" dirty="0" smtClean="0">
-                <a:solidFill>
-                  <a:schemeClr val="bg1"/>
-                </a:solidFill>
-              </a:rPr>
-              <a:t>y gases en </a:t>
-            </a:r>
-            <a:r>
-              <a:rPr lang="es-ES" sz="1000" dirty="0" smtClean="0">
-                <a:solidFill>
-                  <a:schemeClr val="bg1"/>
-                </a:solidFill>
-              </a:rPr>
-              <a:t>reposo</a:t>
-            </a:r>
-            <a:endParaRPr lang="es-ES" sz="1000" dirty="0" smtClean="0">
-              <a:solidFill>
-                <a:schemeClr val="bg1"/>
-              </a:solidFill>
-            </a:endParaRPr>
+              <a:t>íquidos y gases en reposo</a:t>
+            </a:r>
           </a:p>
         </p:txBody>
       </p:sp>
@@ -1369,29 +1344,8 @@
                   <a:schemeClr val="bg1"/>
                 </a:solidFill>
               </a:rPr>
-              <a:t>íquidos </a:t>
-            </a:r>
-            <a:r>
-              <a:rPr lang="es-ES" sz="1000" dirty="0" smtClean="0">
-                <a:solidFill>
-                  <a:schemeClr val="bg1"/>
-                </a:solidFill>
-              </a:rPr>
-              <a:t>y gases </a:t>
-            </a:r>
-            <a:r>
-              <a:rPr lang="es-ES" sz="1000" dirty="0" smtClean="0">
-                <a:solidFill>
-                  <a:schemeClr val="bg1"/>
-                </a:solidFill>
-              </a:rPr>
-              <a:t>en movimiento</a:t>
-            </a:r>
-            <a:endParaRPr lang="es-ES" sz="1000" dirty="0" smtClean="0">
-              <a:solidFill>
-                <a:schemeClr val="bg1"/>
-              </a:solidFill>
-            </a:endParaRPr>
+              <a:t>íquidos y gases en movimiento</a:t>
+            </a:r>
           </a:p>
         </p:txBody>
       </p:sp>
@@ -1491,7 +1445,6 @@
               <a:rPr lang="es-ES" sz="900" dirty="0" smtClean="0"/>
               <a:t>presión</a:t>
             </a:r>
-            <a:endParaRPr lang="es-ES" sz="900" dirty="0" smtClean="0"/>
           </a:p>
         </p:txBody>
       </p:sp>
@@ -1531,7 +1484,6 @@
               <a:rPr lang="es-ES" sz="900" dirty="0" smtClean="0"/>
               <a:t>Presión hidrostática</a:t>
             </a:r>
-            <a:endParaRPr lang="es-ES" sz="900" dirty="0" smtClean="0"/>
           </a:p>
         </p:txBody>
       </p:sp>
@@ -1571,7 +1523,6 @@
               <a:rPr lang="es-ES" sz="900" dirty="0" smtClean="0"/>
               <a:t>principio de Arquímedes </a:t>
             </a:r>
-            <a:endParaRPr lang="es-ES" sz="900" dirty="0" smtClean="0"/>
           </a:p>
         </p:txBody>
       </p:sp>
@@ -1611,7 +1562,6 @@
               <a:rPr lang="es-ES" sz="900" dirty="0" smtClean="0"/>
               <a:t>principio de Pascal </a:t>
             </a:r>
-            <a:endParaRPr lang="es-ES" sz="900" dirty="0" smtClean="0"/>
           </a:p>
         </p:txBody>
       </p:sp>
@@ -1655,7 +1605,6 @@
               <a:rPr lang="es-ES" sz="900" dirty="0" smtClean="0"/>
               <a:t>cuación de continuidad</a:t>
             </a:r>
-            <a:endParaRPr lang="es-ES" sz="900" dirty="0" smtClean="0"/>
           </a:p>
         </p:txBody>
       </p:sp>
@@ -1699,7 +1648,6 @@
               <a:rPr lang="es-ES" sz="900" dirty="0" smtClean="0"/>
               <a:t>luido ideal</a:t>
             </a:r>
-            <a:endParaRPr lang="es-ES" sz="900" dirty="0" smtClean="0"/>
           </a:p>
         </p:txBody>
       </p:sp>
@@ -1747,7 +1695,6 @@
               <a:rPr lang="es-ES" sz="900" dirty="0" smtClean="0"/>
               <a:t> </a:t>
             </a:r>
-            <a:endParaRPr lang="es-ES" sz="900" dirty="0" smtClean="0"/>
           </a:p>
         </p:txBody>
       </p:sp>
@@ -1785,11 +1732,7 @@
             </a:r>
             <a:r>
               <a:rPr lang="es-ES" sz="900" dirty="0" smtClean="0"/>
-              <a:t>elación </a:t>
-            </a:r>
-            <a:r>
-              <a:rPr lang="es-ES" sz="900" dirty="0" smtClean="0"/>
-              <a:t>entre la fuerza  y el área de la superficie sobre la cual se aplica</a:t>
+              <a:t>elación entre la fuerza  y el área de la superficie sobre la cual se aplica</a:t>
             </a:r>
           </a:p>
         </p:txBody>
@@ -1828,11 +1771,7 @@
             </a:r>
             <a:r>
               <a:rPr lang="es-ES" sz="900" dirty="0" smtClean="0"/>
-              <a:t>resión </a:t>
-            </a:r>
-            <a:r>
-              <a:rPr lang="es-ES" sz="900" dirty="0" smtClean="0"/>
-              <a:t>que ejerce un líquido sobre cualquier superficie sumergida en él</a:t>
+              <a:t>resión que ejerce un líquido sobre cualquier superficie sumergida en él</a:t>
             </a:r>
           </a:p>
         </p:txBody>
@@ -1871,11 +1810,7 @@
             </a:r>
             <a:r>
               <a:rPr lang="es-ES" sz="900" dirty="0" smtClean="0"/>
-              <a:t>odo </a:t>
-            </a:r>
-            <a:r>
-              <a:rPr lang="es-ES" sz="900" dirty="0" smtClean="0"/>
-              <a:t>cuerpo sumergido en un líquido experimenta una fuerza hacia arriba igual al peso del líquido desalojado</a:t>
+              <a:t>odo cuerpo sumergido en un líquido experimenta una fuerza hacia arriba igual al peso del líquido desalojado</a:t>
             </a:r>
           </a:p>
         </p:txBody>
@@ -1909,9 +1844,10 @@
           <a:p>
             <a:pPr algn="ctr"/>
             <a:r>
-              <a:rPr lang="es-ES" sz="900" dirty="0" smtClean="0"/>
-              <a:t>EMPUJE</a:t>
-            </a:r>
+              <a:rPr lang="es-ES" sz="900" smtClean="0"/>
+              <a:t>empuje</a:t>
+            </a:r>
+            <a:endParaRPr lang="es-ES" sz="900" dirty="0" smtClean="0"/>
           </a:p>
         </p:txBody>
       </p:sp>
@@ -1949,11 +1885,7 @@
             </a:r>
             <a:r>
               <a:rPr lang="es-ES" sz="900" dirty="0" smtClean="0"/>
-              <a:t>odo </a:t>
-            </a:r>
-            <a:r>
-              <a:rPr lang="es-ES" sz="900" dirty="0" smtClean="0"/>
-              <a:t>cuerpo sumergido en un líquido experimenta una fuerza hacia arriba</a:t>
+              <a:t>odo cuerpo sumergido en un líquido experimenta una fuerza hacia arriba</a:t>
             </a:r>
           </a:p>
         </p:txBody>
@@ -2048,46 +1980,22 @@
             <a:pPr algn="ctr"/>
             <a:r>
               <a:rPr lang="es-ES" sz="900" dirty="0" smtClean="0"/>
-              <a:t>- </a:t>
-            </a:r>
+              <a:t>- flujo laminar</a:t>
+            </a:r>
+            <a:endParaRPr lang="es-ES" sz="900" dirty="0"/>
+          </a:p>
+          <a:p>
+            <a:pPr algn="ctr"/>
             <a:r>
               <a:rPr lang="es-ES" sz="900" dirty="0" smtClean="0"/>
-              <a:t>flujo </a:t>
-            </a:r>
+              <a:t>- es incompresible</a:t>
+            </a:r>
+          </a:p>
+          <a:p>
+            <a:pPr algn="ctr"/>
             <a:r>
               <a:rPr lang="es-ES" sz="900" dirty="0" smtClean="0"/>
-              <a:t>laminar</a:t>
-            </a:r>
-            <a:endParaRPr lang="es-ES" sz="900" dirty="0"/>
-          </a:p>
-          <a:p>
-            <a:pPr algn="ctr"/>
-            <a:r>
-              <a:rPr lang="es-ES" sz="900" dirty="0" smtClean="0"/>
-              <a:t>- </a:t>
-            </a:r>
-            <a:r>
-              <a:rPr lang="es-ES" sz="900" dirty="0" smtClean="0"/>
-              <a:t>es </a:t>
-            </a:r>
-            <a:r>
-              <a:rPr lang="es-ES" sz="900" dirty="0" smtClean="0"/>
-              <a:t>incompresible</a:t>
-            </a:r>
-          </a:p>
-          <a:p>
-            <a:pPr algn="ctr"/>
-            <a:r>
-              <a:rPr lang="es-ES" sz="900" dirty="0" smtClean="0"/>
-              <a:t>- </a:t>
-            </a:r>
-            <a:r>
-              <a:rPr lang="es-ES" sz="900" dirty="0" smtClean="0"/>
-              <a:t>no </a:t>
-            </a:r>
-            <a:r>
-              <a:rPr lang="es-ES" sz="900" dirty="0" smtClean="0"/>
-              <a:t>viscoso</a:t>
+              <a:t>- no viscoso</a:t>
             </a:r>
           </a:p>
         </p:txBody>
@@ -2126,11 +2034,7 @@
             </a:r>
             <a:r>
               <a:rPr lang="es-ES" sz="900" dirty="0" smtClean="0"/>
-              <a:t>l </a:t>
-            </a:r>
-            <a:r>
-              <a:rPr lang="es-ES" sz="900" dirty="0" smtClean="0"/>
-              <a:t>caudal como  el producto del área de  una tubería por la velocidad con la que se desplaza un fluido</a:t>
+              <a:t>l caudal como  el producto del área de  una tubería por la velocidad con la que se desplaza un fluido</a:t>
             </a:r>
           </a:p>
         </p:txBody>
@@ -2169,11 +2073,7 @@
             </a:r>
             <a:r>
               <a:rPr lang="es-ES" sz="900" dirty="0" smtClean="0"/>
-              <a:t>l </a:t>
-            </a:r>
-            <a:r>
-              <a:rPr lang="es-ES" sz="900" dirty="0" smtClean="0"/>
-              <a:t>caudal como  el producto del área de  una tubería por la velocidad con la que se desplaza un fluido</a:t>
+              <a:t>l caudal como  el producto del área de  una tubería por la velocidad con la que se desplaza un fluido</a:t>
             </a:r>
           </a:p>
         </p:txBody>
@@ -2569,11 +2469,7 @@
             </a:r>
             <a:r>
               <a:rPr lang="es-ES" sz="900" dirty="0" smtClean="0"/>
-              <a:t>asos </a:t>
-            </a:r>
-            <a:r>
-              <a:rPr lang="es-ES" sz="900" dirty="0" smtClean="0"/>
-              <a:t>comunicantes</a:t>
+              <a:t>asos comunicantes</a:t>
             </a:r>
           </a:p>
         </p:txBody>
@@ -2612,11 +2508,7 @@
             </a:r>
             <a:r>
               <a:rPr lang="es-ES" sz="900" dirty="0" smtClean="0"/>
-              <a:t>asos </a:t>
-            </a:r>
-            <a:r>
-              <a:rPr lang="es-ES" sz="900" dirty="0" smtClean="0"/>
-              <a:t>comunicantes</a:t>
+              <a:t>asos comunicantes</a:t>
             </a:r>
           </a:p>
         </p:txBody>
@@ -2665,7 +2557,6 @@
               <a:rPr lang="es-ES" sz="900" dirty="0" smtClean="0"/>
               <a:t>idráulica</a:t>
             </a:r>
-            <a:endParaRPr lang="es-ES" sz="900" dirty="0" smtClean="0"/>
           </a:p>
         </p:txBody>
       </p:sp>
@@ -2827,11 +2718,7 @@
             </a:r>
             <a:r>
               <a:rPr lang="es-ES" sz="900" dirty="0" smtClean="0"/>
-              <a:t>lujo </a:t>
-            </a:r>
-            <a:r>
-              <a:rPr lang="es-ES" sz="900" dirty="0" smtClean="0"/>
-              <a:t>en tubos</a:t>
+              <a:t>lujo en tubos</a:t>
             </a:r>
           </a:p>
         </p:txBody>
@@ -2870,11 +2757,7 @@
             </a:r>
             <a:r>
               <a:rPr lang="es-ES" sz="900" dirty="0" smtClean="0"/>
-              <a:t>ustentación </a:t>
-            </a:r>
-            <a:r>
-              <a:rPr lang="es-ES" sz="900" dirty="0" smtClean="0"/>
-              <a:t>de un avión</a:t>
+              <a:t>ustentación de un avión</a:t>
             </a:r>
           </a:p>
         </p:txBody>
